--- a/module-7/Refactoring-a-Monolith-into-Microservices.pptx
+++ b/module-7/Refactoring-a-Monolith-into-Microservices.pptx
@@ -247,7 +247,7 @@
           <a:p>
             <a:fld id="{55A0FE41-AEC6-4FDF-97A6-6FBE86CA4921}" type="datetimeFigureOut">
               <a:rPr lang="en-US" smtClean="0"/>
-              <a:t>1/4/2022</a:t>
+              <a:t>1/8/2022</a:t>
             </a:fld>
             <a:endParaRPr lang="en-US"/>
           </a:p>
@@ -417,7 +417,7 @@
           <a:p>
             <a:fld id="{55A0FE41-AEC6-4FDF-97A6-6FBE86CA4921}" type="datetimeFigureOut">
               <a:rPr lang="en-US" smtClean="0"/>
-              <a:t>1/4/2022</a:t>
+              <a:t>1/8/2022</a:t>
             </a:fld>
             <a:endParaRPr lang="en-US"/>
           </a:p>
@@ -597,7 +597,7 @@
           <a:p>
             <a:fld id="{55A0FE41-AEC6-4FDF-97A6-6FBE86CA4921}" type="datetimeFigureOut">
               <a:rPr lang="en-US" smtClean="0"/>
-              <a:t>1/4/2022</a:t>
+              <a:t>1/8/2022</a:t>
             </a:fld>
             <a:endParaRPr lang="en-US"/>
           </a:p>
@@ -767,7 +767,7 @@
           <a:p>
             <a:fld id="{55A0FE41-AEC6-4FDF-97A6-6FBE86CA4921}" type="datetimeFigureOut">
               <a:rPr lang="en-US" smtClean="0"/>
-              <a:t>1/4/2022</a:t>
+              <a:t>1/8/2022</a:t>
             </a:fld>
             <a:endParaRPr lang="en-US"/>
           </a:p>
@@ -1013,7 +1013,7 @@
           <a:p>
             <a:fld id="{55A0FE41-AEC6-4FDF-97A6-6FBE86CA4921}" type="datetimeFigureOut">
               <a:rPr lang="en-US" smtClean="0"/>
-              <a:t>1/4/2022</a:t>
+              <a:t>1/8/2022</a:t>
             </a:fld>
             <a:endParaRPr lang="en-US"/>
           </a:p>
@@ -1245,7 +1245,7 @@
           <a:p>
             <a:fld id="{55A0FE41-AEC6-4FDF-97A6-6FBE86CA4921}" type="datetimeFigureOut">
               <a:rPr lang="en-US" smtClean="0"/>
-              <a:t>1/4/2022</a:t>
+              <a:t>1/8/2022</a:t>
             </a:fld>
             <a:endParaRPr lang="en-US"/>
           </a:p>
@@ -1612,7 +1612,7 @@
           <a:p>
             <a:fld id="{55A0FE41-AEC6-4FDF-97A6-6FBE86CA4921}" type="datetimeFigureOut">
               <a:rPr lang="en-US" smtClean="0"/>
-              <a:t>1/4/2022</a:t>
+              <a:t>1/8/2022</a:t>
             </a:fld>
             <a:endParaRPr lang="en-US"/>
           </a:p>
@@ -1730,7 +1730,7 @@
           <a:p>
             <a:fld id="{55A0FE41-AEC6-4FDF-97A6-6FBE86CA4921}" type="datetimeFigureOut">
               <a:rPr lang="en-US" smtClean="0"/>
-              <a:t>1/4/2022</a:t>
+              <a:t>1/8/2022</a:t>
             </a:fld>
             <a:endParaRPr lang="en-US"/>
           </a:p>
@@ -1825,7 +1825,7 @@
           <a:p>
             <a:fld id="{55A0FE41-AEC6-4FDF-97A6-6FBE86CA4921}" type="datetimeFigureOut">
               <a:rPr lang="en-US" smtClean="0"/>
-              <a:t>1/4/2022</a:t>
+              <a:t>1/8/2022</a:t>
             </a:fld>
             <a:endParaRPr lang="en-US"/>
           </a:p>
@@ -2102,7 +2102,7 @@
           <a:p>
             <a:fld id="{55A0FE41-AEC6-4FDF-97A6-6FBE86CA4921}" type="datetimeFigureOut">
               <a:rPr lang="en-US" smtClean="0"/>
-              <a:t>1/4/2022</a:t>
+              <a:t>1/8/2022</a:t>
             </a:fld>
             <a:endParaRPr lang="en-US"/>
           </a:p>
@@ -2355,7 +2355,7 @@
           <a:p>
             <a:fld id="{55A0FE41-AEC6-4FDF-97A6-6FBE86CA4921}" type="datetimeFigureOut">
               <a:rPr lang="en-US" smtClean="0"/>
-              <a:t>1/4/2022</a:t>
+              <a:t>1/8/2022</a:t>
             </a:fld>
             <a:endParaRPr lang="en-US"/>
           </a:p>
@@ -2568,7 +2568,7 @@
           <a:p>
             <a:fld id="{55A0FE41-AEC6-4FDF-97A6-6FBE86CA4921}" type="datetimeFigureOut">
               <a:rPr lang="en-US" smtClean="0"/>
-              <a:t>1/4/2022</a:t>
+              <a:t>1/8/2022</a:t>
             </a:fld>
             <a:endParaRPr lang="en-US"/>
           </a:p>
@@ -3072,9 +3072,84 @@
   <p:timing>
     <p:tnLst>
       <p:par>
-        <p:cTn id="1" dur="indefinite" restart="never" nodeType="tmRoot"/>
+        <p:cTn id="1" dur="indefinite" restart="never" nodeType="tmRoot">
+          <p:childTnLst>
+            <p:seq concurrent="1" nextAc="seek">
+              <p:cTn id="2" dur="indefinite" nodeType="mainSeq">
+                <p:childTnLst>
+                  <p:par>
+                    <p:cTn id="3" fill="hold">
+                      <p:stCondLst>
+                        <p:cond delay="indefinite"/>
+                      </p:stCondLst>
+                      <p:childTnLst>
+                        <p:par>
+                          <p:cTn id="4" fill="hold">
+                            <p:stCondLst>
+                              <p:cond delay="0"/>
+                            </p:stCondLst>
+                            <p:childTnLst>
+                              <p:par>
+                                <p:cTn id="5" presetID="1" presetClass="entr" presetSubtype="0" fill="hold" grpId="0" nodeType="clickEffect">
+                                  <p:stCondLst>
+                                    <p:cond delay="0"/>
+                                  </p:stCondLst>
+                                  <p:childTnLst>
+                                    <p:set>
+                                      <p:cBhvr>
+                                        <p:cTn id="6" dur="1" fill="hold">
+                                          <p:stCondLst>
+                                            <p:cond delay="0"/>
+                                          </p:stCondLst>
+                                        </p:cTn>
+                                        <p:tgtEl>
+                                          <p:spTgt spid="3">
+                                            <p:txEl>
+                                              <p:pRg st="0" end="0"/>
+                                            </p:txEl>
+                                          </p:spTgt>
+                                        </p:tgtEl>
+                                        <p:attrNameLst>
+                                          <p:attrName>style.visibility</p:attrName>
+                                        </p:attrNameLst>
+                                      </p:cBhvr>
+                                      <p:to>
+                                        <p:strVal val="visible"/>
+                                      </p:to>
+                                    </p:set>
+                                  </p:childTnLst>
+                                </p:cTn>
+                              </p:par>
+                            </p:childTnLst>
+                          </p:cTn>
+                        </p:par>
+                      </p:childTnLst>
+                    </p:cTn>
+                  </p:par>
+                </p:childTnLst>
+              </p:cTn>
+              <p:prevCondLst>
+                <p:cond evt="onPrev" delay="0">
+                  <p:tgtEl>
+                    <p:sldTgt/>
+                  </p:tgtEl>
+                </p:cond>
+              </p:prevCondLst>
+              <p:nextCondLst>
+                <p:cond evt="onNext" delay="0">
+                  <p:tgtEl>
+                    <p:sldTgt/>
+                  </p:tgtEl>
+                </p:cond>
+              </p:nextCondLst>
+            </p:seq>
+          </p:childTnLst>
+        </p:cTn>
       </p:par>
     </p:tnLst>
+    <p:bldLst>
+      <p:bldP spid="3" grpId="0" build="p"/>
+    </p:bldLst>
   </p:timing>
 </p:sld>
 </file>

--- a/module-7/Refactoring-a-Monolith-into-Microservices.pptx
+++ b/module-7/Refactoring-a-Monolith-into-Microservices.pptx
@@ -247,7 +247,7 @@
           <a:p>
             <a:fld id="{55A0FE41-AEC6-4FDF-97A6-6FBE86CA4921}" type="datetimeFigureOut">
               <a:rPr lang="en-US" smtClean="0"/>
-              <a:t>1/8/2022</a:t>
+              <a:t>1/12/2022</a:t>
             </a:fld>
             <a:endParaRPr lang="en-US"/>
           </a:p>
@@ -417,7 +417,7 @@
           <a:p>
             <a:fld id="{55A0FE41-AEC6-4FDF-97A6-6FBE86CA4921}" type="datetimeFigureOut">
               <a:rPr lang="en-US" smtClean="0"/>
-              <a:t>1/8/2022</a:t>
+              <a:t>1/12/2022</a:t>
             </a:fld>
             <a:endParaRPr lang="en-US"/>
           </a:p>
@@ -597,7 +597,7 @@
           <a:p>
             <a:fld id="{55A0FE41-AEC6-4FDF-97A6-6FBE86CA4921}" type="datetimeFigureOut">
               <a:rPr lang="en-US" smtClean="0"/>
-              <a:t>1/8/2022</a:t>
+              <a:t>1/12/2022</a:t>
             </a:fld>
             <a:endParaRPr lang="en-US"/>
           </a:p>
@@ -767,7 +767,7 @@
           <a:p>
             <a:fld id="{55A0FE41-AEC6-4FDF-97A6-6FBE86CA4921}" type="datetimeFigureOut">
               <a:rPr lang="en-US" smtClean="0"/>
-              <a:t>1/8/2022</a:t>
+              <a:t>1/12/2022</a:t>
             </a:fld>
             <a:endParaRPr lang="en-US"/>
           </a:p>
@@ -1013,7 +1013,7 @@
           <a:p>
             <a:fld id="{55A0FE41-AEC6-4FDF-97A6-6FBE86CA4921}" type="datetimeFigureOut">
               <a:rPr lang="en-US" smtClean="0"/>
-              <a:t>1/8/2022</a:t>
+              <a:t>1/12/2022</a:t>
             </a:fld>
             <a:endParaRPr lang="en-US"/>
           </a:p>
@@ -1245,7 +1245,7 @@
           <a:p>
             <a:fld id="{55A0FE41-AEC6-4FDF-97A6-6FBE86CA4921}" type="datetimeFigureOut">
               <a:rPr lang="en-US" smtClean="0"/>
-              <a:t>1/8/2022</a:t>
+              <a:t>1/12/2022</a:t>
             </a:fld>
             <a:endParaRPr lang="en-US"/>
           </a:p>
@@ -1612,7 +1612,7 @@
           <a:p>
             <a:fld id="{55A0FE41-AEC6-4FDF-97A6-6FBE86CA4921}" type="datetimeFigureOut">
               <a:rPr lang="en-US" smtClean="0"/>
-              <a:t>1/8/2022</a:t>
+              <a:t>1/12/2022</a:t>
             </a:fld>
             <a:endParaRPr lang="en-US"/>
           </a:p>
@@ -1730,7 +1730,7 @@
           <a:p>
             <a:fld id="{55A0FE41-AEC6-4FDF-97A6-6FBE86CA4921}" type="datetimeFigureOut">
               <a:rPr lang="en-US" smtClean="0"/>
-              <a:t>1/8/2022</a:t>
+              <a:t>1/12/2022</a:t>
             </a:fld>
             <a:endParaRPr lang="en-US"/>
           </a:p>
@@ -1825,7 +1825,7 @@
           <a:p>
             <a:fld id="{55A0FE41-AEC6-4FDF-97A6-6FBE86CA4921}" type="datetimeFigureOut">
               <a:rPr lang="en-US" smtClean="0"/>
-              <a:t>1/8/2022</a:t>
+              <a:t>1/12/2022</a:t>
             </a:fld>
             <a:endParaRPr lang="en-US"/>
           </a:p>
@@ -2102,7 +2102,7 @@
           <a:p>
             <a:fld id="{55A0FE41-AEC6-4FDF-97A6-6FBE86CA4921}" type="datetimeFigureOut">
               <a:rPr lang="en-US" smtClean="0"/>
-              <a:t>1/8/2022</a:t>
+              <a:t>1/12/2022</a:t>
             </a:fld>
             <a:endParaRPr lang="en-US"/>
           </a:p>
@@ -2355,7 +2355,7 @@
           <a:p>
             <a:fld id="{55A0FE41-AEC6-4FDF-97A6-6FBE86CA4921}" type="datetimeFigureOut">
               <a:rPr lang="en-US" smtClean="0"/>
-              <a:t>1/8/2022</a:t>
+              <a:t>1/12/2022</a:t>
             </a:fld>
             <a:endParaRPr lang="en-US"/>
           </a:p>
@@ -2568,7 +2568,7 @@
           <a:p>
             <a:fld id="{55A0FE41-AEC6-4FDF-97A6-6FBE86CA4921}" type="datetimeFigureOut">
               <a:rPr lang="en-US" smtClean="0"/>
-              <a:t>1/8/2022</a:t>
+              <a:t>1/12/2022</a:t>
             </a:fld>
             <a:endParaRPr lang="en-US"/>
           </a:p>
